--- a/cache/7ae48c60-f143-4119-b659-15b8f485eb9a/30_1.pptx
+++ b/cache/7ae48c60-f143-4119-b659-15b8f485eb9a/30_1.pptx
@@ -300,7 +300,7 @@
             <a:pPr algn="r">
               <a:buNone/>
             </a:pPr>
-            <a:fld id="{B35BFCF4-3490-42D4-81C0-AF82AA7F0CB0}" type="slidenum">
+            <a:fld id="{4F1854DA-8CE9-457E-8FC9-AFD691A21923}" type="slidenum">
               <a:rPr b="0" lang="en-HK" sz="1400" spc="-1" strike="noStrike">
                 <a:latin typeface="Times New Roman"/>
               </a:rPr>

--- a/cache/7ae48c60-f143-4119-b659-15b8f485eb9a/30_1.pptx
+++ b/cache/7ae48c60-f143-4119-b659-15b8f485eb9a/30_1.pptx
@@ -300,7 +300,7 @@
             <a:pPr algn="r">
               <a:buNone/>
             </a:pPr>
-            <a:fld id="{4F1854DA-8CE9-457E-8FC9-AFD691A21923}" type="slidenum">
+            <a:fld id="{5ADB2457-2898-4C90-8392-7FEA66A570FA}" type="slidenum">
               <a:rPr b="0" lang="en-HK" sz="1400" spc="-1" strike="noStrike">
                 <a:latin typeface="Times New Roman"/>
               </a:rPr>
